--- a/PPT/미세한 날씨-중간보고.pptx
+++ b/PPT/미세한 날씨-중간보고.pptx
@@ -5480,7 +5480,7 @@
         <p:spPr>
           <a:xfrm>
             <a:off x="182788" y="173039"/>
-            <a:ext cx="8366393" cy="923330"/>
+            <a:ext cx="4339650" cy="923330"/>
           </a:xfrm>
           <a:prstGeom prst="rect">
             <a:avLst/>
@@ -5527,43 +5527,7 @@
                   </a:outerShdw>
                 </a:effectLst>
               </a:rPr>
-              <a:t>소개 </a:t>
-            </a:r>
-            <a:r>
-              <a:rPr lang="en-US" altLang="ko-KR" sz="5400" b="0" cap="none" spc="0" dirty="0">
-                <a:ln w="0"/>
-                <a:solidFill>
-                  <a:schemeClr val="bg2">
-                    <a:lumMod val="25000"/>
-                  </a:schemeClr>
-                </a:solidFill>
-                <a:effectLst>
-                  <a:outerShdw blurRad="38100" dist="19050" dir="2700000" algn="tl" rotWithShape="0">
-                    <a:schemeClr val="dk1">
-                      <a:alpha val="40000"/>
-                    </a:schemeClr>
-                  </a:outerShdw>
-                </a:effectLst>
-              </a:rPr>
-              <a:t>- </a:t>
-            </a:r>
-            <a:r>
-              <a:rPr lang="ko-KR" altLang="en-US" sz="3600" dirty="0">
-                <a:ln w="0"/>
-                <a:solidFill>
-                  <a:schemeClr val="bg2">
-                    <a:lumMod val="25000"/>
-                  </a:schemeClr>
-                </a:solidFill>
-                <a:effectLst>
-                  <a:outerShdw blurRad="38100" dist="19050" dir="2700000" algn="tl" rotWithShape="0">
-                    <a:schemeClr val="dk1">
-                      <a:alpha val="40000"/>
-                    </a:schemeClr>
-                  </a:outerShdw>
-                </a:effectLst>
-              </a:rPr>
-              <a:t>알기 쉬운 날씨</a:t>
+              <a:t>소개</a:t>
             </a:r>
             <a:endParaRPr lang="en-US" altLang="ko-KR" sz="3600" b="0" cap="none" spc="0" dirty="0">
               <a:ln w="0"/>
@@ -8034,14 +7998,14 @@
           <p:nvPr>
             <p:extLst>
               <p:ext uri="{D42A27DB-BD31-4B8C-83A1-F6EECF244321}">
-                <p14:modId xmlns:p14="http://schemas.microsoft.com/office/powerpoint/2010/main" val="2484375106"/>
+                <p14:modId xmlns:p14="http://schemas.microsoft.com/office/powerpoint/2010/main" val="3606941730"/>
               </p:ext>
             </p:extLst>
           </p:nvPr>
         </p:nvGraphicFramePr>
         <p:xfrm>
           <a:off x="188262" y="1096369"/>
-          <a:ext cx="11711638" cy="5447306"/>
+          <a:ext cx="11711638" cy="5331065"/>
         </p:xfrm>
         <a:graphic>
           <a:graphicData uri="http://schemas.openxmlformats.org/drawingml/2006/table">
@@ -8072,7 +8036,7 @@
                   </a:extLst>
                 </a:gridCol>
               </a:tblGrid>
-              <a:tr h="871569">
+              <a:tr h="1027675">
                 <a:tc>
                   <a:txBody>
                     <a:bodyPr/>
@@ -8123,7 +8087,226 @@
                   </a:ext>
                 </a:extLst>
               </a:tr>
-              <a:tr h="926042">
+              <a:tr h="363969">
+                <a:tc rowSpan="3">
+                  <a:txBody>
+                    <a:bodyPr/>
+                    <a:lstStyle/>
+                    <a:p>
+                      <a:pPr algn="ctr" latinLnBrk="1"/>
+                      <a:r>
+                        <a:rPr lang="en-US" altLang="ko-KR" sz="1400" dirty="0" err="1"/>
+                        <a:t>OpenAPI</a:t>
+                      </a:r>
+                      <a:r>
+                        <a:rPr lang="en-US" altLang="ko-KR" sz="1400" dirty="0"/>
+                        <a:t> </a:t>
+                      </a:r>
+                      <a:r>
+                        <a:rPr lang="ko-KR" altLang="en-US" sz="1400" dirty="0"/>
+                        <a:t>연동</a:t>
+                      </a:r>
+                    </a:p>
+                  </a:txBody>
+                  <a:tcPr anchor="ctr"/>
+                </a:tc>
+                <a:tc gridSpan="2">
+                  <a:txBody>
+                    <a:bodyPr/>
+                    <a:lstStyle/>
+                    <a:p>
+                      <a:pPr marL="0" marR="0" lvl="0" indent="0" algn="ctr" defTabSz="914400" rtl="0" eaLnBrk="1" fontAlgn="auto" latinLnBrk="1" hangingPunct="1">
+                        <a:lnSpc>
+                          <a:spcPct val="100000"/>
+                        </a:lnSpc>
+                        <a:spcBef>
+                          <a:spcPts val="0"/>
+                        </a:spcBef>
+                        <a:spcAft>
+                          <a:spcPts val="0"/>
+                        </a:spcAft>
+                        <a:buClrTx/>
+                        <a:buSzTx/>
+                        <a:buFontTx/>
+                        <a:buNone/>
+                        <a:tabLst/>
+                        <a:defRPr/>
+                      </a:pPr>
+                      <a:r>
+                        <a:rPr lang="ko-KR" altLang="en-US" sz="1400" dirty="0"/>
+                        <a:t>날씨정보 레이아웃별로 나타낼 정보를 </a:t>
+                      </a:r>
+                      <a:r>
+                        <a:rPr lang="en-US" altLang="ko-KR" sz="1400" dirty="0" err="1"/>
+                        <a:t>XMLParsing</a:t>
+                      </a:r>
+                      <a:r>
+                        <a:rPr lang="en-US" altLang="ko-KR" sz="1400" dirty="0"/>
+                        <a:t> </a:t>
+                      </a:r>
+                      <a:r>
+                        <a:rPr lang="ko-KR" altLang="en-US" sz="1400" dirty="0"/>
+                        <a:t>기법을 이용하여 </a:t>
+                      </a:r>
+                      <a:r>
+                        <a:rPr lang="ko-KR" altLang="en-US" sz="1400" dirty="0" err="1"/>
+                        <a:t>읽어옴</a:t>
+                      </a:r>
+                      <a:r>
+                        <a:rPr lang="ko-KR" altLang="en-US" sz="1400" dirty="0"/>
+                        <a:t> </a:t>
+                      </a:r>
+                      <a:endParaRPr lang="en-US" altLang="ko-KR" sz="1400" dirty="0"/>
+                    </a:p>
+                  </a:txBody>
+                  <a:tcPr anchor="ctr"/>
+                </a:tc>
+                <a:tc hMerge="1">
+                  <a:txBody>
+                    <a:bodyPr/>
+                    <a:lstStyle/>
+                    <a:p>
+                      <a:pPr latinLnBrk="1"/>
+                      <a:endParaRPr lang="ko-KR" altLang="en-US"/>
+                    </a:p>
+                  </a:txBody>
+                  <a:tcPr/>
+                </a:tc>
+                <a:extLst>
+                  <a:ext uri="{0D108BD9-81ED-4DB2-BD59-A6C34878D82A}">
+                    <a16:rowId xmlns:a16="http://schemas.microsoft.com/office/drawing/2014/main" val="3331136181"/>
+                  </a:ext>
+                </a:extLst>
+              </a:tr>
+              <a:tr h="363967">
+                <a:tc vMerge="1">
+                  <a:txBody>
+                    <a:bodyPr/>
+                    <a:lstStyle/>
+                    <a:p>
+                      <a:pPr latinLnBrk="1"/>
+                      <a:endParaRPr lang="ko-KR" altLang="en-US"/>
+                    </a:p>
+                  </a:txBody>
+                  <a:tcPr/>
+                </a:tc>
+                <a:tc gridSpan="2">
+                  <a:txBody>
+                    <a:bodyPr/>
+                    <a:lstStyle/>
+                    <a:p>
+                      <a:pPr algn="ctr" latinLnBrk="1"/>
+                      <a:r>
+                        <a:rPr lang="en-US" altLang="ko-KR" sz="1400" dirty="0"/>
+                        <a:t>XML </a:t>
+                      </a:r>
+                      <a:r>
+                        <a:rPr lang="ko-KR" altLang="en-US" sz="1400" dirty="0"/>
+                        <a:t>데이터를 </a:t>
+                      </a:r>
+                      <a:r>
+                        <a:rPr lang="en-US" altLang="ko-KR" sz="1400" dirty="0" err="1"/>
+                        <a:t>dict</a:t>
+                      </a:r>
+                      <a:r>
+                        <a:rPr lang="ko-KR" altLang="en-US" sz="1400" dirty="0"/>
+                        <a:t>형태로 전환 및 필요한 정보만 추출</a:t>
+                      </a:r>
+                      <a:endParaRPr lang="en-US" altLang="ko-KR" sz="1400" dirty="0"/>
+                    </a:p>
+                  </a:txBody>
+                  <a:tcPr anchor="ctr"/>
+                </a:tc>
+                <a:tc hMerge="1">
+                  <a:txBody>
+                    <a:bodyPr/>
+                    <a:lstStyle/>
+                    <a:p>
+                      <a:pPr latinLnBrk="1"/>
+                      <a:endParaRPr lang="ko-KR" altLang="en-US"/>
+                    </a:p>
+                  </a:txBody>
+                  <a:tcPr/>
+                </a:tc>
+                <a:extLst>
+                  <a:ext uri="{0D108BD9-81ED-4DB2-BD59-A6C34878D82A}">
+                    <a16:rowId xmlns:a16="http://schemas.microsoft.com/office/drawing/2014/main" val="2142580848"/>
+                  </a:ext>
+                </a:extLst>
+              </a:tr>
+              <a:tr h="363969">
+                <a:tc vMerge="1">
+                  <a:txBody>
+                    <a:bodyPr/>
+                    <a:lstStyle/>
+                    <a:p>
+                      <a:pPr latinLnBrk="1"/>
+                      <a:endParaRPr lang="ko-KR" altLang="en-US"/>
+                    </a:p>
+                  </a:txBody>
+                  <a:tcPr/>
+                </a:tc>
+                <a:tc gridSpan="2">
+                  <a:txBody>
+                    <a:bodyPr/>
+                    <a:lstStyle/>
+                    <a:p>
+                      <a:pPr algn="ctr"/>
+                      <a:r>
+                        <a:rPr lang="ko-KR" altLang="en-US" sz="1400" dirty="0"/>
+                        <a:t>추출된 정보를 객체에 저장하고 부수적인 기능 및 데이터 관리</a:t>
+                      </a:r>
+                      <a:r>
+                        <a:rPr lang="en-US" altLang="ko-KR" sz="1400" dirty="0"/>
+                        <a:t>(Updating, </a:t>
+                      </a:r>
+                      <a:r>
+                        <a:rPr lang="en-US" altLang="ko-KR" sz="1400" dirty="0" err="1"/>
+                        <a:t>ToDict</a:t>
+                      </a:r>
+                      <a:r>
+                        <a:rPr lang="en-US" altLang="ko-KR" sz="1400" dirty="0"/>
+                        <a:t>, </a:t>
+                      </a:r>
+                      <a:r>
+                        <a:rPr lang="en-US" altLang="ko-KR" sz="1400" dirty="0" err="1"/>
+                        <a:t>DrawFrame</a:t>
+                      </a:r>
+                      <a:r>
+                        <a:rPr lang="en-US" altLang="ko-KR" sz="1400" dirty="0"/>
+                        <a:t> </a:t>
+                      </a:r>
+                      <a:r>
+                        <a:rPr lang="ko-KR" altLang="en-US" sz="1400" dirty="0"/>
+                        <a:t>등</a:t>
+                      </a:r>
+                      <a:r>
+                        <a:rPr lang="en-US" altLang="ko-KR" sz="1400" dirty="0"/>
+                        <a:t>)</a:t>
+                      </a:r>
+                      <a:endParaRPr lang="ko-KR" altLang="en-US" sz="1400" dirty="0"/>
+                    </a:p>
+                  </a:txBody>
+                  <a:tcPr anchor="ctr"/>
+                </a:tc>
+                <a:tc hMerge="1">
+                  <a:txBody>
+                    <a:bodyPr/>
+                    <a:lstStyle/>
+                    <a:p>
+                      <a:pPr latinLnBrk="1"/>
+                      <a:endParaRPr lang="ko-KR" altLang="en-US"/>
+                    </a:p>
+                  </a:txBody>
+                  <a:tcPr/>
+                </a:tc>
+                <a:extLst>
+                  <a:ext uri="{0D108BD9-81ED-4DB2-BD59-A6C34878D82A}">
+                    <a16:rowId xmlns:a16="http://schemas.microsoft.com/office/drawing/2014/main" val="3003408278"/>
+                  </a:ext>
+                </a:extLst>
+              </a:tr>
+              <a:tr h="1091905">
                 <a:tc>
                   <a:txBody>
                     <a:bodyPr/>
@@ -8131,8 +8314,12 @@
                     <a:p>
                       <a:pPr algn="ctr" latinLnBrk="1"/>
                       <a:r>
-                        <a:rPr lang="ko-KR" altLang="en-US" sz="1400" dirty="0" err="1"/>
-                        <a:t>씬전환</a:t>
+                        <a:rPr lang="ko-KR" altLang="en-US" sz="1400" dirty="0"/>
+                        <a:t>날씨정보 레이아웃</a:t>
+                      </a:r>
+                      <a:r>
+                        <a:rPr lang="en-US" altLang="ko-KR" sz="1400" dirty="0"/>
+                        <a:t>UI</a:t>
                       </a:r>
                       <a:endParaRPr lang="ko-KR" altLang="en-US" sz="1400" dirty="0"/>
                     </a:p>
@@ -8147,9 +8334,31 @@
                       <a:pPr algn="ctr" latinLnBrk="1"/>
                       <a:r>
                         <a:rPr lang="ko-KR" altLang="en-US" sz="1400" dirty="0"/>
-                        <a:t>그냥 화면전환</a:t>
-                      </a:r>
-                      <a:endParaRPr lang="en-US" altLang="ko-KR" sz="1400" dirty="0"/>
+                        <a:t>메인 레이아웃</a:t>
+                      </a:r>
+                      <a:r>
+                        <a:rPr lang="en-US" altLang="ko-KR" sz="1400" dirty="0"/>
+                        <a:t>, </a:t>
+                      </a:r>
+                      <a:r>
+                        <a:rPr lang="ko-KR" altLang="en-US" sz="1400" dirty="0"/>
+                        <a:t>지도 레이아웃</a:t>
+                      </a:r>
+                      <a:r>
+                        <a:rPr lang="en-US" altLang="ko-KR" sz="1400" dirty="0"/>
+                        <a:t>,</a:t>
+                      </a:r>
+                    </a:p>
+                    <a:p>
+                      <a:pPr algn="ctr" latinLnBrk="1"/>
+                      <a:r>
+                        <a:rPr lang="en-US" altLang="ko-KR" sz="1400" dirty="0"/>
+                        <a:t> </a:t>
+                      </a:r>
+                      <a:r>
+                        <a:rPr lang="ko-KR" altLang="en-US" sz="1400" dirty="0"/>
+                        <a:t>날씨 상세정보 레이아웃 디자인</a:t>
+                      </a:r>
                     </a:p>
                   </a:txBody>
                   <a:tcPr anchor="ctr"/>
@@ -8164,11 +8373,7 @@
                       </a:pPr>
                       <a:r>
                         <a:rPr lang="ko-KR" altLang="en-US" sz="1400" dirty="0"/>
-                        <a:t>화면전환시 </a:t>
-                      </a:r>
-                      <a:r>
-                        <a:rPr lang="en-US" altLang="ko-KR" sz="1400" dirty="0"/>
-                        <a:t>Fade in/Fade out</a:t>
+                        <a:t>지역별 도시 검색 레이아웃 </a:t>
                       </a:r>
                     </a:p>
                   </a:txBody>
@@ -8176,18 +8381,21 @@
                 </a:tc>
                 <a:extLst>
                   <a:ext uri="{0D108BD9-81ED-4DB2-BD59-A6C34878D82A}">
-                    <a16:rowId xmlns:a16="http://schemas.microsoft.com/office/drawing/2014/main" val="3331136181"/>
+                    <a16:rowId xmlns:a16="http://schemas.microsoft.com/office/drawing/2014/main" val="1049760011"/>
                   </a:ext>
                 </a:extLst>
               </a:tr>
-              <a:tr h="926042">
+              <a:tr h="1091905">
                 <a:tc>
                   <a:txBody>
                     <a:bodyPr/>
                     <a:lstStyle/>
                     <a:p>
                       <a:pPr algn="ctr" latinLnBrk="1"/>
-                      <a:endParaRPr lang="ko-KR" altLang="en-US" sz="1400" dirty="0"/>
+                      <a:r>
+                        <a:rPr lang="ko-KR" altLang="en-US" sz="1400" dirty="0"/>
+                        <a:t>애니메이션</a:t>
+                      </a:r>
                     </a:p>
                   </a:txBody>
                   <a:tcPr anchor="ctr"/>
@@ -8198,7 +8406,18 @@
                     <a:lstStyle/>
                     <a:p>
                       <a:pPr algn="ctr" latinLnBrk="1"/>
-                      <a:endParaRPr lang="ko-KR" altLang="en-US" sz="1400" dirty="0"/>
+                      <a:r>
+                        <a:rPr lang="ko-KR" altLang="en-US" sz="1400" dirty="0"/>
+                        <a:t>레이아웃 전환 시 </a:t>
+                      </a:r>
+                      <a:r>
+                        <a:rPr lang="en-US" altLang="ko-KR" sz="1400" dirty="0"/>
+                        <a:t>Fade-in/out </a:t>
+                      </a:r>
+                      <a:r>
+                        <a:rPr lang="ko-KR" altLang="en-US" sz="1400" dirty="0"/>
+                        <a:t>효과</a:t>
+                      </a:r>
                     </a:p>
                   </a:txBody>
                   <a:tcPr anchor="ctr"/>
@@ -8208,52 +8427,21 @@
                     <a:bodyPr/>
                     <a:lstStyle/>
                     <a:p>
-                      <a:pPr marL="342900" indent="-342900" algn="ctr" latinLnBrk="1">
-                        <a:buAutoNum type="arabicPeriod"/>
+                      <a:pPr marL="0" indent="0" algn="ctr" latinLnBrk="1">
+                        <a:buNone/>
                       </a:pPr>
-                      <a:endParaRPr lang="ko-KR" altLang="en-US" sz="1400" dirty="0"/>
-                    </a:p>
-                  </a:txBody>
-                  <a:tcPr anchor="ctr"/>
-                </a:tc>
-                <a:extLst>
-                  <a:ext uri="{0D108BD9-81ED-4DB2-BD59-A6C34878D82A}">
-                    <a16:rowId xmlns:a16="http://schemas.microsoft.com/office/drawing/2014/main" val="1049760011"/>
-                  </a:ext>
-                </a:extLst>
-              </a:tr>
-              <a:tr h="926042">
-                <a:tc>
-                  <a:txBody>
-                    <a:bodyPr/>
-                    <a:lstStyle/>
-                    <a:p>
-                      <a:pPr algn="ctr" latinLnBrk="1"/>
-                      <a:endParaRPr lang="ko-KR" altLang="en-US" sz="1400" dirty="0"/>
-                    </a:p>
-                  </a:txBody>
-                  <a:tcPr anchor="ctr"/>
-                </a:tc>
-                <a:tc>
-                  <a:txBody>
-                    <a:bodyPr/>
-                    <a:lstStyle/>
-                    <a:p>
-                      <a:pPr algn="ctr" latinLnBrk="1"/>
-                      <a:endParaRPr lang="ko-KR" altLang="en-US" sz="1400" dirty="0"/>
-                    </a:p>
-                  </a:txBody>
-                  <a:tcPr anchor="ctr"/>
-                </a:tc>
-                <a:tc>
-                  <a:txBody>
-                    <a:bodyPr/>
-                    <a:lstStyle/>
-                    <a:p>
-                      <a:pPr marL="342900" indent="-342900" algn="ctr" latinLnBrk="1">
-                        <a:buAutoNum type="arabicPeriod"/>
-                      </a:pPr>
-                      <a:endParaRPr lang="ko-KR" altLang="en-US" sz="1400" dirty="0"/>
+                      <a:r>
+                        <a:rPr lang="ko-KR" altLang="en-US" sz="1400" dirty="0"/>
+                        <a:t>상세정보 레이아웃의 페이지 롤 업</a:t>
+                      </a:r>
+                      <a:r>
+                        <a:rPr lang="en-US" altLang="ko-KR" sz="1400" dirty="0"/>
+                        <a:t>/</a:t>
+                      </a:r>
+                      <a:r>
+                        <a:rPr lang="ko-KR" altLang="en-US" sz="1400" dirty="0"/>
+                        <a:t>다운 효과</a:t>
+                      </a:r>
                     </a:p>
                   </a:txBody>
                   <a:tcPr anchor="ctr"/>
@@ -8264,72 +8452,88 @@
                   </a:ext>
                 </a:extLst>
               </a:tr>
-              <a:tr h="926042">
+              <a:tr h="1027675">
                 <a:tc>
                   <a:txBody>
                     <a:bodyPr/>
                     <a:lstStyle/>
                     <a:p>
                       <a:pPr algn="ctr" latinLnBrk="1"/>
+                      <a:r>
+                        <a:rPr lang="ko-KR" altLang="en-US" sz="1400" dirty="0"/>
+                        <a:t>프레임워크</a:t>
+                      </a:r>
+                    </a:p>
+                  </a:txBody>
+                  <a:tcPr anchor="ctr"/>
+                </a:tc>
+                <a:tc gridSpan="2">
+                  <a:txBody>
+                    <a:bodyPr/>
+                    <a:lstStyle/>
+                    <a:p>
+                      <a:pPr algn="ctr" latinLnBrk="1"/>
+                      <a:r>
+                        <a:rPr lang="ko-KR" altLang="en-US" sz="1400" dirty="0"/>
+                        <a:t>사용자에게 보여줄 정보를 </a:t>
+                      </a:r>
+                      <a:r>
+                        <a:rPr lang="en-US" altLang="ko-KR" sz="1400" dirty="0"/>
+                        <a:t>Scene</a:t>
+                      </a:r>
+                      <a:r>
+                        <a:rPr lang="ko-KR" altLang="en-US" sz="1400" dirty="0"/>
+                        <a:t>별로 관리</a:t>
+                      </a:r>
+                      <a:endParaRPr lang="en-US" altLang="ko-KR" sz="1400" dirty="0"/>
+                    </a:p>
+                    <a:p>
+                      <a:pPr algn="ctr" latinLnBrk="1"/>
+                      <a:r>
+                        <a:rPr lang="en-US" altLang="ko-KR" sz="1400" dirty="0"/>
+                        <a:t>(Scene</a:t>
+                      </a:r>
+                      <a:r>
+                        <a:rPr lang="ko-KR" altLang="en-US" sz="1400" dirty="0"/>
+                        <a:t>과 레이아웃은 동일의미</a:t>
+                      </a:r>
+                      <a:r>
+                        <a:rPr lang="en-US" altLang="ko-KR" sz="1400" dirty="0"/>
+                        <a:t>, </a:t>
+                      </a:r>
+                    </a:p>
+                    <a:p>
+                      <a:pPr algn="ctr" latinLnBrk="1"/>
+                      <a:r>
+                        <a:rPr lang="ko-KR" altLang="en-US" sz="1400" dirty="0"/>
+                        <a:t>각 </a:t>
+                      </a:r>
+                      <a:r>
+                        <a:rPr lang="en-US" altLang="ko-KR" sz="1400" dirty="0"/>
+                        <a:t>Scene</a:t>
+                      </a:r>
+                      <a:r>
+                        <a:rPr lang="ko-KR" altLang="en-US" sz="1400" dirty="0"/>
+                        <a:t>에서 제공하는 메뉴 버튼에 따른 </a:t>
+                      </a:r>
+                      <a:r>
+                        <a:rPr lang="en-US" altLang="ko-KR" sz="1400" dirty="0"/>
+                        <a:t>Scene</a:t>
+                      </a:r>
+                      <a:r>
+                        <a:rPr lang="ko-KR" altLang="en-US" sz="1400" dirty="0"/>
+                        <a:t>전환</a:t>
+                      </a:r>
+                      <a:r>
+                        <a:rPr lang="en-US" altLang="ko-KR" sz="1400" dirty="0"/>
+                        <a:t>)</a:t>
+                      </a:r>
                       <a:endParaRPr lang="ko-KR" altLang="en-US" sz="1400" dirty="0"/>
                     </a:p>
                   </a:txBody>
                   <a:tcPr anchor="ctr"/>
                 </a:tc>
-                <a:tc>
-                  <a:txBody>
-                    <a:bodyPr/>
-                    <a:lstStyle/>
-                    <a:p>
-                      <a:pPr algn="ctr" latinLnBrk="1"/>
-                      <a:endParaRPr lang="en-US" altLang="ko-KR" sz="1400" dirty="0"/>
-                    </a:p>
-                  </a:txBody>
-                  <a:tcPr anchor="ctr"/>
-                </a:tc>
-                <a:tc>
-                  <a:txBody>
-                    <a:bodyPr/>
-                    <a:lstStyle/>
-                    <a:p>
-                      <a:pPr marL="342900" indent="-342900" algn="ctr" latinLnBrk="1">
-                        <a:buAutoNum type="arabicPeriod"/>
-                      </a:pPr>
-                      <a:endParaRPr lang="en-US" altLang="ko-KR" sz="1400" dirty="0"/>
-                    </a:p>
-                  </a:txBody>
-                  <a:tcPr anchor="ctr"/>
-                </a:tc>
-                <a:extLst>
-                  <a:ext uri="{0D108BD9-81ED-4DB2-BD59-A6C34878D82A}">
-                    <a16:rowId xmlns:a16="http://schemas.microsoft.com/office/drawing/2014/main" val="3922300281"/>
-                  </a:ext>
-                </a:extLst>
-              </a:tr>
-              <a:tr h="871569">
-                <a:tc>
-                  <a:txBody>
-                    <a:bodyPr/>
-                    <a:lstStyle/>
-                    <a:p>
-                      <a:pPr algn="ctr" latinLnBrk="1"/>
-                      <a:endParaRPr lang="ko-KR" altLang="en-US" sz="1400" dirty="0"/>
-                    </a:p>
-                  </a:txBody>
-                  <a:tcPr anchor="ctr"/>
-                </a:tc>
-                <a:tc>
-                  <a:txBody>
-                    <a:bodyPr/>
-                    <a:lstStyle/>
-                    <a:p>
-                      <a:pPr algn="ctr" latinLnBrk="1"/>
-                      <a:endParaRPr lang="ko-KR" altLang="en-US" sz="1400" dirty="0"/>
-                    </a:p>
-                  </a:txBody>
-                  <a:tcPr anchor="ctr"/>
-                </a:tc>
-                <a:tc>
+                <a:tc hMerge="1">
                   <a:txBody>
                     <a:bodyPr/>
                     <a:lstStyle/>
@@ -8461,14 +8665,14 @@
           <p:nvPr>
             <p:extLst>
               <p:ext uri="{D42A27DB-BD31-4B8C-83A1-F6EECF244321}">
-                <p14:modId xmlns:p14="http://schemas.microsoft.com/office/powerpoint/2010/main" val="2261714129"/>
+                <p14:modId xmlns:p14="http://schemas.microsoft.com/office/powerpoint/2010/main" val="3785255297"/>
               </p:ext>
             </p:extLst>
           </p:nvPr>
         </p:nvGraphicFramePr>
         <p:xfrm>
           <a:off x="328614" y="1096369"/>
-          <a:ext cx="11534774" cy="5447307"/>
+          <a:ext cx="11534774" cy="5723002"/>
         </p:xfrm>
         <a:graphic>
           <a:graphicData uri="http://schemas.openxmlformats.org/drawingml/2006/table">
@@ -8534,7 +8738,10 @@
                     <a:lstStyle/>
                     <a:p>
                       <a:pPr algn="ctr" latinLnBrk="1"/>
-                      <a:endParaRPr lang="ko-KR" altLang="en-US" sz="1400" dirty="0"/>
+                      <a:r>
+                        <a:rPr lang="ko-KR" altLang="en-US" sz="1400" dirty="0"/>
+                        <a:t>날씨예보 정보 및 미세먼지 데이터를 다룰 전체적인 레이아웃 디자인</a:t>
+                      </a:r>
                     </a:p>
                   </a:txBody>
                   <a:tcPr anchor="ctr"/>
@@ -8546,10 +8753,10 @@
                     <a:p>
                       <a:pPr algn="ctr" latinLnBrk="1"/>
                       <a:r>
-                        <a:rPr lang="ko-KR" altLang="en-US" sz="1600" dirty="0"/>
+                        <a:rPr lang="ko-KR" altLang="en-US" sz="1400" dirty="0"/>
                         <a:t>정명준</a:t>
                       </a:r>
-                      <a:endParaRPr lang="en-US" altLang="ko-KR" sz="1600" dirty="0"/>
+                      <a:endParaRPr lang="en-US" altLang="ko-KR" sz="1400" dirty="0"/>
                     </a:p>
                   </a:txBody>
                   <a:tcPr anchor="ctr"/>
@@ -8567,7 +8774,10 @@
                     <a:lstStyle/>
                     <a:p>
                       <a:pPr algn="ctr" latinLnBrk="1"/>
-                      <a:endParaRPr lang="ko-KR" altLang="en-US" sz="1400" dirty="0"/>
+                      <a:r>
+                        <a:rPr lang="ko-KR" altLang="en-US" sz="1400" dirty="0"/>
+                        <a:t>레이아웃을 상태별로 관리하고 전환할 프레임워크 제작</a:t>
+                      </a:r>
                     </a:p>
                   </a:txBody>
                   <a:tcPr anchor="ctr"/>
@@ -8579,7 +8789,19 @@
                     <a:p>
                       <a:pPr algn="ctr" latinLnBrk="1"/>
                       <a:r>
-                        <a:rPr lang="en-US" altLang="ko-KR" sz="1600" dirty="0"/>
+                        <a:rPr lang="ko-KR" altLang="en-US" sz="1400" dirty="0"/>
+                        <a:t>정명준</a:t>
+                      </a:r>
+                      <a:endParaRPr lang="en-US" altLang="ko-KR" sz="1400" dirty="0"/>
+                    </a:p>
+                    <a:p>
+                      <a:pPr algn="ctr" latinLnBrk="1"/>
+                      <a:r>
+                        <a:rPr lang="ko-KR" altLang="en-US" sz="1400" dirty="0"/>
+                        <a:t>정성호</a:t>
+                      </a:r>
+                      <a:r>
+                        <a:rPr lang="en-US" altLang="ko-KR" sz="1400" dirty="0"/>
                         <a:t> </a:t>
                       </a:r>
                     </a:p>
@@ -8599,6 +8821,50 @@
                     <a:lstStyle/>
                     <a:p>
                       <a:pPr algn="ctr" latinLnBrk="1"/>
+                      <a:r>
+                        <a:rPr lang="ko-KR" altLang="en-US" sz="1400" dirty="0"/>
+                        <a:t>오픈 </a:t>
+                      </a:r>
+                      <a:r>
+                        <a:rPr lang="en-US" altLang="ko-KR" sz="1400" dirty="0"/>
+                        <a:t>API(</a:t>
+                      </a:r>
+                      <a:r>
+                        <a:rPr lang="ko-KR" altLang="en-US" sz="1400" dirty="0"/>
+                        <a:t>미세먼지</a:t>
+                      </a:r>
+                      <a:r>
+                        <a:rPr lang="en-US" altLang="ko-KR" sz="1400" dirty="0"/>
+                        <a:t>)</a:t>
+                      </a:r>
+                      <a:r>
+                        <a:rPr lang="ko-KR" altLang="en-US" sz="1400" dirty="0"/>
+                        <a:t> 데이터 </a:t>
+                      </a:r>
+                      <a:r>
+                        <a:rPr lang="en-US" altLang="ko-KR" sz="1400" dirty="0"/>
+                        <a:t>Parsing </a:t>
+                      </a:r>
+                      <a:r>
+                        <a:rPr lang="ko-KR" altLang="en-US" sz="1400" dirty="0"/>
+                        <a:t>및 데이터 가공</a:t>
+                      </a:r>
+                      <a:endParaRPr lang="en-US" altLang="ko-KR" sz="1400" dirty="0"/>
+                    </a:p>
+                    <a:p>
+                      <a:pPr algn="ctr" latinLnBrk="1"/>
+                      <a:r>
+                        <a:rPr lang="en-US" altLang="ko-KR" sz="1400" dirty="0"/>
+                        <a:t>(</a:t>
+                      </a:r>
+                      <a:r>
+                        <a:rPr lang="ko-KR" altLang="en-US" sz="1400" dirty="0"/>
+                        <a:t>데이터를 관리하고 부수적인 기능을 제공하는 객체 정의</a:t>
+                      </a:r>
+                      <a:r>
+                        <a:rPr lang="en-US" altLang="ko-KR" sz="1400" dirty="0"/>
+                        <a:t>)</a:t>
+                      </a:r>
                       <a:endParaRPr lang="ko-KR" altLang="en-US" sz="1400" dirty="0"/>
                     </a:p>
                   </a:txBody>
@@ -8610,7 +8876,10 @@
                     <a:lstStyle/>
                     <a:p>
                       <a:pPr algn="ctr" latinLnBrk="1"/>
-                      <a:endParaRPr lang="ko-KR" altLang="en-US" sz="1600" dirty="0"/>
+                      <a:r>
+                        <a:rPr lang="ko-KR" altLang="en-US" sz="1400" dirty="0"/>
+                        <a:t>정명준</a:t>
+                      </a:r>
                     </a:p>
                   </a:txBody>
                   <a:tcPr anchor="ctr"/>
@@ -8628,6 +8897,58 @@
                     <a:lstStyle/>
                     <a:p>
                       <a:pPr algn="ctr" latinLnBrk="1"/>
+                      <a:r>
+                        <a:rPr lang="ko-KR" altLang="en-US" sz="1400" dirty="0"/>
+                        <a:t>오픈 </a:t>
+                      </a:r>
+                      <a:r>
+                        <a:rPr lang="en-US" altLang="ko-KR" sz="1400" dirty="0"/>
+                        <a:t>API(</a:t>
+                      </a:r>
+                      <a:r>
+                        <a:rPr lang="ko-KR" altLang="en-US" sz="1400" dirty="0"/>
+                        <a:t>단기예보</a:t>
+                      </a:r>
+                      <a:r>
+                        <a:rPr lang="en-US" altLang="ko-KR" sz="1400" dirty="0"/>
+                        <a:t>, </a:t>
+                      </a:r>
+                      <a:r>
+                        <a:rPr lang="ko-KR" altLang="en-US" sz="1400" dirty="0"/>
+                        <a:t>중기예보</a:t>
+                      </a:r>
+                      <a:r>
+                        <a:rPr lang="en-US" altLang="ko-KR" sz="1400" dirty="0"/>
+                        <a:t>)</a:t>
+                      </a:r>
+                      <a:r>
+                        <a:rPr lang="ko-KR" altLang="en-US" sz="1400" dirty="0"/>
+                        <a:t> 데이터 </a:t>
+                      </a:r>
+                      <a:r>
+                        <a:rPr lang="en-US" altLang="ko-KR" sz="1400" dirty="0"/>
+                        <a:t>Parsing </a:t>
+                      </a:r>
+                      <a:r>
+                        <a:rPr lang="ko-KR" altLang="en-US" sz="1400" dirty="0"/>
+                        <a:t>및 데이터 가공</a:t>
+                      </a:r>
+                      <a:endParaRPr lang="en-US" altLang="ko-KR" sz="1400" dirty="0"/>
+                    </a:p>
+                    <a:p>
+                      <a:pPr algn="ctr" latinLnBrk="1"/>
+                      <a:r>
+                        <a:rPr lang="en-US" altLang="ko-KR" sz="1400" dirty="0"/>
+                        <a:t>(</a:t>
+                      </a:r>
+                      <a:r>
+                        <a:rPr lang="ko-KR" altLang="en-US" sz="1400" dirty="0"/>
+                        <a:t>데이터를 관리하고 부수적인 기능을 제공하는 객체 정의</a:t>
+                      </a:r>
+                      <a:r>
+                        <a:rPr lang="en-US" altLang="ko-KR" sz="1400" dirty="0"/>
+                        <a:t>)</a:t>
+                      </a:r>
                       <a:endParaRPr lang="ko-KR" altLang="en-US" sz="1400" dirty="0"/>
                     </a:p>
                   </a:txBody>
@@ -8639,7 +8960,10 @@
                     <a:lstStyle/>
                     <a:p>
                       <a:pPr algn="ctr" latinLnBrk="1"/>
-                      <a:endParaRPr lang="ko-KR" altLang="en-US" sz="1600" dirty="0"/>
+                      <a:r>
+                        <a:rPr lang="ko-KR" altLang="en-US" sz="1400" dirty="0"/>
+                        <a:t>정성호</a:t>
+                      </a:r>
                     </a:p>
                   </a:txBody>
                   <a:tcPr anchor="ctr"/>
@@ -8657,7 +8981,10 @@
                     <a:lstStyle/>
                     <a:p>
                       <a:pPr algn="ctr" latinLnBrk="1"/>
-                      <a:endParaRPr lang="ko-KR" altLang="en-US" sz="1400" dirty="0"/>
+                      <a:r>
+                        <a:rPr lang="ko-KR" altLang="en-US" sz="1400" dirty="0"/>
+                        <a:t>전체적인 레이아웃에 사용할 리소스 디자인</a:t>
+                      </a:r>
                     </a:p>
                   </a:txBody>
                   <a:tcPr anchor="ctr"/>
@@ -8668,7 +8995,10 @@
                     <a:lstStyle/>
                     <a:p>
                       <a:pPr algn="ctr" latinLnBrk="1"/>
-                      <a:endParaRPr lang="ko-KR" altLang="en-US" sz="1600" dirty="0"/>
+                      <a:r>
+                        <a:rPr lang="ko-KR" altLang="en-US" sz="1400" dirty="0"/>
+                        <a:t>정명준</a:t>
+                      </a:r>
                     </a:p>
                   </a:txBody>
                   <a:tcPr anchor="ctr"/>
@@ -8686,6 +9016,26 @@
                     <a:lstStyle/>
                     <a:p>
                       <a:pPr algn="ctr" latinLnBrk="1"/>
+                      <a:r>
+                        <a:rPr lang="ko-KR" altLang="en-US" sz="1400" dirty="0"/>
+                        <a:t>메인 레이아웃 제작</a:t>
+                      </a:r>
+                      <a:endParaRPr lang="en-US" altLang="ko-KR" sz="1400" dirty="0"/>
+                    </a:p>
+                    <a:p>
+                      <a:pPr algn="ctr" latinLnBrk="1"/>
+                      <a:r>
+                        <a:rPr lang="en-US" altLang="ko-KR" sz="1400" dirty="0"/>
+                        <a:t>(</a:t>
+                      </a:r>
+                      <a:r>
+                        <a:rPr lang="ko-KR" altLang="en-US" sz="1400" dirty="0"/>
+                        <a:t>단편적인 날씨 및 미세먼지 등을 기호와 함께 나타냄</a:t>
+                      </a:r>
+                      <a:r>
+                        <a:rPr lang="en-US" altLang="ko-KR" sz="1400" dirty="0"/>
+                        <a:t>)</a:t>
+                      </a:r>
                       <a:endParaRPr lang="ko-KR" altLang="en-US" sz="1400" dirty="0"/>
                     </a:p>
                   </a:txBody>
@@ -8697,7 +9047,10 @@
                     <a:lstStyle/>
                     <a:p>
                       <a:pPr algn="ctr" latinLnBrk="1"/>
-                      <a:endParaRPr lang="ko-KR" altLang="en-US" sz="1600" dirty="0"/>
+                      <a:r>
+                        <a:rPr lang="ko-KR" altLang="en-US" sz="1400" dirty="0"/>
+                        <a:t>정명준</a:t>
+                      </a:r>
                     </a:p>
                   </a:txBody>
                   <a:tcPr anchor="ctr"/>
@@ -8715,6 +9068,34 @@
                     <a:lstStyle/>
                     <a:p>
                       <a:pPr algn="ctr" latinLnBrk="1"/>
+                      <a:r>
+                        <a:rPr lang="ko-KR" altLang="en-US" sz="1400" dirty="0"/>
+                        <a:t>지도 레이아웃 제작</a:t>
+                      </a:r>
+                      <a:endParaRPr lang="en-US" altLang="ko-KR" sz="1400" dirty="0"/>
+                    </a:p>
+                    <a:p>
+                      <a:pPr algn="ctr" latinLnBrk="1"/>
+                      <a:r>
+                        <a:rPr lang="en-US" altLang="ko-KR" sz="1400" dirty="0"/>
+                        <a:t>(</a:t>
+                      </a:r>
+                      <a:r>
+                        <a:rPr lang="ko-KR" altLang="en-US" sz="1400" dirty="0"/>
+                        <a:t>한국 지도상에 도시 별 현재 기상상태</a:t>
+                      </a:r>
+                      <a:r>
+                        <a:rPr lang="en-US" altLang="ko-KR" sz="1400" dirty="0"/>
+                        <a:t>, </a:t>
+                      </a:r>
+                      <a:r>
+                        <a:rPr lang="ko-KR" altLang="en-US" sz="1400" dirty="0"/>
+                        <a:t>기온 등을 기호와 함께 나타냄</a:t>
+                      </a:r>
+                      <a:r>
+                        <a:rPr lang="en-US" altLang="ko-KR" sz="1400" dirty="0"/>
+                        <a:t>)</a:t>
+                      </a:r>
                       <a:endParaRPr lang="ko-KR" altLang="en-US" sz="1400" dirty="0"/>
                     </a:p>
                   </a:txBody>
@@ -8726,7 +9107,11 @@
                     <a:lstStyle/>
                     <a:p>
                       <a:pPr algn="ctr" latinLnBrk="1"/>
-                      <a:endParaRPr lang="en-US" altLang="ko-KR" sz="1600" dirty="0"/>
+                      <a:r>
+                        <a:rPr lang="ko-KR" altLang="en-US" sz="1400" dirty="0"/>
+                        <a:t>정성호</a:t>
+                      </a:r>
+                      <a:endParaRPr lang="en-US" altLang="ko-KR" sz="1400" dirty="0"/>
                     </a:p>
                   </a:txBody>
                   <a:tcPr anchor="ctr"/>
@@ -8744,7 +9129,10 @@
                     <a:lstStyle/>
                     <a:p>
                       <a:pPr algn="ctr" latinLnBrk="1"/>
-                      <a:endParaRPr lang="ko-KR" altLang="en-US" sz="1400" dirty="0"/>
+                      <a:r>
+                        <a:rPr lang="ko-KR" altLang="en-US" sz="1400" dirty="0"/>
+                        <a:t>레이아웃 전환 시 사용될 애니메이션 및 롤 업 애니메이션 구현</a:t>
+                      </a:r>
                     </a:p>
                   </a:txBody>
                   <a:tcPr anchor="ctr"/>
@@ -8755,7 +9143,11 @@
                     <a:lstStyle/>
                     <a:p>
                       <a:pPr algn="ctr" latinLnBrk="1"/>
-                      <a:endParaRPr lang="en-US" altLang="ko-KR" sz="1600" dirty="0"/>
+                      <a:r>
+                        <a:rPr lang="ko-KR" altLang="en-US" sz="1400" dirty="0"/>
+                        <a:t>정명준</a:t>
+                      </a:r>
+                      <a:endParaRPr lang="en-US" altLang="ko-KR" sz="1400" dirty="0"/>
                     </a:p>
                   </a:txBody>
                   <a:tcPr anchor="ctr"/>
@@ -8773,7 +9165,10 @@
                     <a:lstStyle/>
                     <a:p>
                       <a:pPr algn="ctr" latinLnBrk="1"/>
-                      <a:endParaRPr lang="ko-KR" altLang="en-US" sz="1400" dirty="0"/>
+                      <a:r>
+                        <a:rPr lang="ko-KR" altLang="en-US" sz="1400" dirty="0"/>
+                        <a:t>지역 도시 검색 및 현재 지역에 따른 날씨정보 연동</a:t>
+                      </a:r>
                     </a:p>
                   </a:txBody>
                   <a:tcPr anchor="ctr"/>
@@ -8784,7 +9179,10 @@
                     <a:lstStyle/>
                     <a:p>
                       <a:pPr algn="ctr" latinLnBrk="1"/>
-                      <a:endParaRPr lang="ko-KR" altLang="en-US" sz="1600" dirty="0"/>
+                      <a:r>
+                        <a:rPr lang="ko-KR" altLang="en-US" sz="1400" dirty="0"/>
+                        <a:t>정성호</a:t>
+                      </a:r>
                     </a:p>
                   </a:txBody>
                   <a:tcPr anchor="ctr"/>
@@ -8802,6 +9200,22 @@
                     <a:lstStyle/>
                     <a:p>
                       <a:pPr algn="ctr" latinLnBrk="1"/>
+                      <a:r>
+                        <a:rPr lang="ko-KR" altLang="en-US" sz="1400" dirty="0"/>
+                        <a:t>오프라인 상태에서의 날씨 및 미세정보 표현 </a:t>
+                      </a:r>
+                      <a:r>
+                        <a:rPr lang="en-US" altLang="ko-KR" sz="1400" dirty="0"/>
+                        <a:t>(XML, JSON </a:t>
+                      </a:r>
+                      <a:r>
+                        <a:rPr lang="ko-KR" altLang="en-US" sz="1400" dirty="0"/>
+                        <a:t>파일 이용</a:t>
+                      </a:r>
+                      <a:r>
+                        <a:rPr lang="en-US" altLang="ko-KR" sz="1400" dirty="0"/>
+                        <a:t>)</a:t>
+                      </a:r>
                       <a:endParaRPr lang="ko-KR" altLang="en-US" sz="1400" dirty="0"/>
                     </a:p>
                   </a:txBody>
@@ -8813,7 +9227,10 @@
                     <a:lstStyle/>
                     <a:p>
                       <a:pPr algn="ctr" latinLnBrk="1"/>
-                      <a:endParaRPr lang="ko-KR" altLang="en-US" sz="1600" dirty="0"/>
+                      <a:r>
+                        <a:rPr lang="ko-KR" altLang="en-US" sz="1400" dirty="0"/>
+                        <a:t>정성호</a:t>
+                      </a:r>
                     </a:p>
                   </a:txBody>
                   <a:tcPr anchor="ctr"/>
@@ -10078,16 +10495,15 @@
           </p:cNvPicPr>
           <p:nvPr/>
         </p:nvPicPr>
-        <p:blipFill>
+        <p:blipFill rotWithShape="1">
           <a:blip r:embed="rId2"/>
-          <a:stretch>
-            <a:fillRect/>
-          </a:stretch>
+          <a:srcRect b="16148"/>
+          <a:stretch/>
         </p:blipFill>
         <p:spPr>
           <a:xfrm>
-            <a:off x="532126" y="1709828"/>
-            <a:ext cx="4782824" cy="2904944"/>
+            <a:off x="735940" y="1434884"/>
+            <a:ext cx="4164242" cy="2120799"/>
           </a:xfrm>
           <a:prstGeom prst="rect">
             <a:avLst/>
@@ -10108,7 +10524,7 @@
         </p:nvSpPr>
         <p:spPr>
           <a:xfrm>
-            <a:off x="1479873" y="1340496"/>
+            <a:off x="1374397" y="1135553"/>
             <a:ext cx="2887329" cy="369332"/>
           </a:xfrm>
           <a:prstGeom prst="rect">
@@ -10143,16 +10559,15 @@
           </p:cNvPicPr>
           <p:nvPr/>
         </p:nvPicPr>
-        <p:blipFill>
+        <p:blipFill rotWithShape="1">
           <a:blip r:embed="rId3"/>
-          <a:stretch>
-            <a:fillRect/>
-          </a:stretch>
+          <a:srcRect b="10591"/>
+          <a:stretch/>
         </p:blipFill>
         <p:spPr>
           <a:xfrm>
-            <a:off x="6262697" y="1525162"/>
-            <a:ext cx="4615544" cy="3323902"/>
+            <a:off x="758481" y="3869670"/>
+            <a:ext cx="4119161" cy="2652254"/>
           </a:xfrm>
           <a:prstGeom prst="rect">
             <a:avLst/>
@@ -10173,8 +10588,8 @@
         </p:nvSpPr>
         <p:spPr>
           <a:xfrm>
-            <a:off x="7126804" y="1155830"/>
-            <a:ext cx="2723823" cy="369332"/>
+            <a:off x="1456150" y="3555682"/>
+            <a:ext cx="2887329" cy="369332"/>
           </a:xfrm>
           <a:prstGeom prst="rect">
             <a:avLst/>
@@ -10188,10 +10603,74 @@
           <a:lstStyle/>
           <a:p>
             <a:r>
-              <a:rPr lang="ko-KR" altLang="en-US" dirty="0" err="1"/>
-              <a:t>동네예보정보조회서비스</a:t>
+              <a:rPr lang="ko-KR" altLang="en-US" dirty="0"/>
+              <a:t>동네예보정보 조회 서비스</a:t>
             </a:r>
-            <a:endParaRPr lang="ko-KR" altLang="en-US" dirty="0"/>
+          </a:p>
+        </p:txBody>
+      </p:sp>
+      <p:pic>
+        <p:nvPicPr>
+          <p:cNvPr id="3" name="그림 2">
+            <a:extLst>
+              <a:ext uri="{FF2B5EF4-FFF2-40B4-BE49-F238E27FC236}">
+                <a16:creationId xmlns:a16="http://schemas.microsoft.com/office/drawing/2014/main" id="{3274428E-E23B-4BE9-9EA4-C208CA66A087}"/>
+              </a:ext>
+            </a:extLst>
+          </p:cNvPr>
+          <p:cNvPicPr>
+            <a:picLocks noChangeAspect="1"/>
+          </p:cNvPicPr>
+          <p:nvPr/>
+        </p:nvPicPr>
+        <p:blipFill>
+          <a:blip r:embed="rId4"/>
+          <a:stretch>
+            <a:fillRect/>
+          </a:stretch>
+        </p:blipFill>
+        <p:spPr>
+          <a:xfrm>
+            <a:off x="5903288" y="1235583"/>
+            <a:ext cx="4755959" cy="5378863"/>
+          </a:xfrm>
+          <a:prstGeom prst="rect">
+            <a:avLst/>
+          </a:prstGeom>
+        </p:spPr>
+      </p:pic>
+      <p:sp>
+        <p:nvSpPr>
+          <p:cNvPr id="8" name="TextBox 7">
+            <a:extLst>
+              <a:ext uri="{FF2B5EF4-FFF2-40B4-BE49-F238E27FC236}">
+                <a16:creationId xmlns:a16="http://schemas.microsoft.com/office/drawing/2014/main" id="{E4BA3F0D-B9FD-4149-86AB-C729DB358F53}"/>
+              </a:ext>
+            </a:extLst>
+          </p:cNvPr>
+          <p:cNvSpPr txBox="1"/>
+          <p:nvPr/>
+        </p:nvSpPr>
+        <p:spPr>
+          <a:xfrm>
+            <a:off x="7447841" y="1118619"/>
+            <a:ext cx="2425664" cy="369332"/>
+          </a:xfrm>
+          <a:prstGeom prst="rect">
+            <a:avLst/>
+          </a:prstGeom>
+          <a:noFill/>
+        </p:spPr>
+        <p:txBody>
+          <a:bodyPr wrap="none" rtlCol="0">
+            <a:spAutoFit/>
+          </a:bodyPr>
+          <a:lstStyle/>
+          <a:p>
+            <a:r>
+              <a:rPr lang="ko-KR" altLang="en-US" dirty="0"/>
+              <a:t>중기예보 조회 서비스</a:t>
+            </a:r>
           </a:p>
         </p:txBody>
       </p:sp>
